--- a/insta_ppt.pptx
+++ b/insta_ppt.pptx
@@ -7705,7 +7705,7 @@
             <a:pPr lvl="1"/>
             <a:r>
               <a:rPr lang="en-US" sz="1800" dirty="0"/>
-              <a:t>Leverage insights to plan for shopper schedules </a:t>
+              <a:t>Leverage insights to plan for shopper schedules &amp; supply of products</a:t>
             </a:r>
           </a:p>
           <a:p>
@@ -7719,14 +7719,14 @@
             <a:pPr lvl="1"/>
             <a:r>
               <a:rPr lang="en-US" sz="1800" dirty="0"/>
+              <a:t>Schedule additional workers on peak days/hours</a:t>
+            </a:r>
+          </a:p>
+          <a:p>
+            <a:pPr lvl="1"/>
+            <a:r>
+              <a:rPr lang="en-US" sz="1800" dirty="0"/>
               <a:t>Implement a 1-click cart to order for users to enable easy re-orders</a:t>
-            </a:r>
-          </a:p>
-          <a:p>
-            <a:pPr lvl="1"/>
-            <a:r>
-              <a:rPr lang="en-US" sz="1800" dirty="0"/>
-              <a:t>Schedule additional workers on peak days/hours</a:t>
             </a:r>
           </a:p>
           <a:p>
@@ -8088,14 +8088,14 @@
             <a:pPr lvl="1"/>
             <a:r>
               <a:rPr lang="en-US" sz="1600" dirty="0"/>
-              <a:t>Huge data(3 million orders) lead to infrastructure limitations</a:t>
+              <a:t>Imbalanced Dataset</a:t>
             </a:r>
           </a:p>
           <a:p>
             <a:pPr lvl="1"/>
             <a:r>
               <a:rPr lang="en-US" sz="1600" dirty="0"/>
-              <a:t>Imbalanced Dataset</a:t>
+              <a:t>Huge data(3 million orders) can lead to infrastructure limitations</a:t>
             </a:r>
           </a:p>
         </p:txBody>
@@ -9659,7 +9659,7 @@
           <p:nvPr>
             <p:extLst>
               <p:ext uri="{D42A27DB-BD31-4B8C-83A1-F6EECF244321}">
-                <p14:modId xmlns:p14="http://schemas.microsoft.com/office/powerpoint/2010/main" val="2037733117"/>
+                <p14:modId xmlns:p14="http://schemas.microsoft.com/office/powerpoint/2010/main" val="2911452860"/>
               </p:ext>
             </p:extLst>
           </p:nvPr>
@@ -10323,10 +10323,7 @@
                     <a:bodyPr/>
                     <a:lstStyle/>
                     <a:p>
-                      <a:r>
-                        <a:rPr lang="en-US" sz="1200" dirty="0"/>
-                        <a:t>Implement a 1-click cart to order of items for the user </a:t>
-                      </a:r>
+                      <a:endParaRPr lang="en-US" sz="1200" dirty="0"/>
                     </a:p>
                   </a:txBody>
                   <a:tcPr>

--- a/insta_ppt.pptx
+++ b/insta_ppt.pptx
@@ -4290,7 +4290,7 @@
         <p:spPr>
           <a:xfrm>
             <a:off x="3429000" y="6065974"/>
-            <a:ext cx="2164695" cy="400110"/>
+            <a:ext cx="2164695" cy="707886"/>
           </a:xfrm>
           <a:prstGeom prst="rect">
             <a:avLst/>
@@ -4303,17 +4303,12 @@
           </a:bodyPr>
           <a:lstStyle/>
           <a:p>
-            <a:r>
-              <a:rPr lang="en-US" sz="2000" b="1" dirty="0" err="1">
-                <a:latin typeface="Garamond" panose="02020404030301010803" pitchFamily="18" charset="0"/>
-              </a:rPr>
-              <a:t>Deepika</a:t>
-            </a:r>
+            <a:pPr algn="ctr"/>
             <a:r>
               <a:rPr lang="en-US" sz="2000" b="1" dirty="0">
                 <a:latin typeface="Garamond" panose="02020404030301010803" pitchFamily="18" charset="0"/>
               </a:rPr>
-              <a:t> </a:t>
+              <a:t>Deepika </a:t>
             </a:r>
             <a:r>
               <a:rPr lang="en-US" sz="2000" b="1" dirty="0" err="1">
@@ -4324,6 +4319,15 @@
             <a:endParaRPr lang="en-US" sz="2000" b="1" dirty="0">
               <a:latin typeface="Garamond" panose="02020404030301010803" pitchFamily="18" charset="0"/>
             </a:endParaRPr>
+          </a:p>
+          <a:p>
+            <a:pPr algn="ctr"/>
+            <a:r>
+              <a:rPr lang="en-US" sz="2000" b="1" dirty="0">
+                <a:latin typeface="Garamond" panose="02020404030301010803" pitchFamily="18" charset="0"/>
+              </a:rPr>
+              <a:t> June 18, 2020</a:t>
+            </a:r>
           </a:p>
         </p:txBody>
       </p:sp>
